--- a/draw.pptx
+++ b/draw.pptx
@@ -7,6 +7,7 @@
   <p:sldIdLst>
     <p:sldId id="256" r:id="rId2"/>
     <p:sldId id="257" r:id="rId3"/>
+    <p:sldId id="258" r:id="rId4"/>
   </p:sldIdLst>
   <p:sldSz cx="12192000" cy="6858000"/>
   <p:notesSz cx="6858000" cy="9144000"/>
@@ -105,11 +106,12 @@
       </a:defRPr>
     </a:lvl9pPr>
   </p:defaultTextStyle>
+  <p:extLst>
+    <p:ext uri="{EFAFB233-063F-42B5-8137-9DF3F51BA10A}">
+      <p15:sldGuideLst xmlns:p15="http://schemas.microsoft.com/office/powerpoint/2012/main"/>
+    </p:ext>
+  </p:extLst>
 </p:presentation>
-</file>
-
-<file path=ppt/revisionInfo.xml><?xml version="1.0" encoding="utf-8"?>
-<p1510:revInfo xmlns:a="http://schemas.openxmlformats.org/drawingml/2006/main" xmlns:r="http://schemas.openxmlformats.org/officeDocument/2006/relationships" xmlns:p1510="http://schemas.microsoft.com/office/powerpoint/2015/10/main"/>
 </file>
 
 <file path=ppt/slideLayouts/slideLayout1.xml><?xml version="1.0" encoding="utf-8"?>
@@ -261,7 +263,7 @@
           <a:p>
             <a:fld id="{7E7C5F6F-76D7-49C1-8ACC-32C00365ABC6}" type="datetimeFigureOut">
               <a:rPr lang="LID4096" smtClean="0"/>
-              <a:t>04/27/2018</a:t>
+              <a:t>03/16/2021</a:t>
             </a:fld>
             <a:endParaRPr lang="LID4096"/>
           </a:p>
@@ -461,7 +463,7 @@
           <a:p>
             <a:fld id="{7E7C5F6F-76D7-49C1-8ACC-32C00365ABC6}" type="datetimeFigureOut">
               <a:rPr lang="LID4096" smtClean="0"/>
-              <a:t>04/27/2018</a:t>
+              <a:t>03/16/2021</a:t>
             </a:fld>
             <a:endParaRPr lang="LID4096"/>
           </a:p>
@@ -671,7 +673,7 @@
           <a:p>
             <a:fld id="{7E7C5F6F-76D7-49C1-8ACC-32C00365ABC6}" type="datetimeFigureOut">
               <a:rPr lang="LID4096" smtClean="0"/>
-              <a:t>04/27/2018</a:t>
+              <a:t>03/16/2021</a:t>
             </a:fld>
             <a:endParaRPr lang="LID4096"/>
           </a:p>
@@ -871,7 +873,7 @@
           <a:p>
             <a:fld id="{7E7C5F6F-76D7-49C1-8ACC-32C00365ABC6}" type="datetimeFigureOut">
               <a:rPr lang="LID4096" smtClean="0"/>
-              <a:t>04/27/2018</a:t>
+              <a:t>03/16/2021</a:t>
             </a:fld>
             <a:endParaRPr lang="LID4096"/>
           </a:p>
@@ -1147,7 +1149,7 @@
           <a:p>
             <a:fld id="{7E7C5F6F-76D7-49C1-8ACC-32C00365ABC6}" type="datetimeFigureOut">
               <a:rPr lang="LID4096" smtClean="0"/>
-              <a:t>04/27/2018</a:t>
+              <a:t>03/16/2021</a:t>
             </a:fld>
             <a:endParaRPr lang="LID4096"/>
           </a:p>
@@ -1415,7 +1417,7 @@
           <a:p>
             <a:fld id="{7E7C5F6F-76D7-49C1-8ACC-32C00365ABC6}" type="datetimeFigureOut">
               <a:rPr lang="LID4096" smtClean="0"/>
-              <a:t>04/27/2018</a:t>
+              <a:t>03/16/2021</a:t>
             </a:fld>
             <a:endParaRPr lang="LID4096"/>
           </a:p>
@@ -1830,7 +1832,7 @@
           <a:p>
             <a:fld id="{7E7C5F6F-76D7-49C1-8ACC-32C00365ABC6}" type="datetimeFigureOut">
               <a:rPr lang="LID4096" smtClean="0"/>
-              <a:t>04/27/2018</a:t>
+              <a:t>03/16/2021</a:t>
             </a:fld>
             <a:endParaRPr lang="LID4096"/>
           </a:p>
@@ -1972,7 +1974,7 @@
           <a:p>
             <a:fld id="{7E7C5F6F-76D7-49C1-8ACC-32C00365ABC6}" type="datetimeFigureOut">
               <a:rPr lang="LID4096" smtClean="0"/>
-              <a:t>04/27/2018</a:t>
+              <a:t>03/16/2021</a:t>
             </a:fld>
             <a:endParaRPr lang="LID4096"/>
           </a:p>
@@ -2085,7 +2087,7 @@
           <a:p>
             <a:fld id="{7E7C5F6F-76D7-49C1-8ACC-32C00365ABC6}" type="datetimeFigureOut">
               <a:rPr lang="LID4096" smtClean="0"/>
-              <a:t>04/27/2018</a:t>
+              <a:t>03/16/2021</a:t>
             </a:fld>
             <a:endParaRPr lang="LID4096"/>
           </a:p>
@@ -2398,7 +2400,7 @@
           <a:p>
             <a:fld id="{7E7C5F6F-76D7-49C1-8ACC-32C00365ABC6}" type="datetimeFigureOut">
               <a:rPr lang="LID4096" smtClean="0"/>
-              <a:t>04/27/2018</a:t>
+              <a:t>03/16/2021</a:t>
             </a:fld>
             <a:endParaRPr lang="LID4096"/>
           </a:p>
@@ -2687,7 +2689,7 @@
           <a:p>
             <a:fld id="{7E7C5F6F-76D7-49C1-8ACC-32C00365ABC6}" type="datetimeFigureOut">
               <a:rPr lang="LID4096" smtClean="0"/>
-              <a:t>04/27/2018</a:t>
+              <a:t>03/16/2021</a:t>
             </a:fld>
             <a:endParaRPr lang="LID4096"/>
           </a:p>
@@ -2930,7 +2932,7 @@
           <a:p>
             <a:fld id="{7E7C5F6F-76D7-49C1-8ACC-32C00365ABC6}" type="datetimeFigureOut">
               <a:rPr lang="LID4096" smtClean="0"/>
-              <a:t>04/27/2018</a:t>
+              <a:t>03/16/2021</a:t>
             </a:fld>
             <a:endParaRPr lang="LID4096"/>
           </a:p>
@@ -3811,7 +3813,7 @@
         </p:blipFill>
         <p:spPr>
           <a:xfrm>
-            <a:off x="1752376" y="1477760"/>
+            <a:off x="1752376" y="1476744"/>
             <a:ext cx="804716" cy="804716"/>
           </a:xfrm>
           <a:prstGeom prst="rect">
@@ -3908,7 +3910,7 @@
         </p:nvSpPr>
         <p:spPr>
           <a:xfrm>
-            <a:off x="3209061" y="2176079"/>
+            <a:off x="3209061" y="1694202"/>
             <a:ext cx="346570" cy="276999"/>
           </a:xfrm>
           <a:prstGeom prst="rect">
@@ -4254,8 +4256,8 @@
         </p:nvSpPr>
         <p:spPr>
           <a:xfrm>
-            <a:off x="6703713" y="3083451"/>
-            <a:ext cx="867738" cy="276999"/>
+            <a:off x="6811306" y="3083451"/>
+            <a:ext cx="652551" cy="276999"/>
           </a:xfrm>
           <a:prstGeom prst="rect">
             <a:avLst/>
@@ -4270,7 +4272,7 @@
           <a:p>
             <a:r>
               <a:rPr lang="en-US" sz="1200" dirty="0"/>
-              <a:t>Wunderlist</a:t>
+              <a:t>Discord</a:t>
             </a:r>
             <a:endParaRPr lang="LID4096" sz="1200" dirty="0"/>
           </a:p>
@@ -4593,41 +4595,6 @@
           </a:p>
         </p:txBody>
       </p:sp>
-      <p:sp>
-        <p:nvSpPr>
-          <p:cNvPr id="60" name="TextBox 59">
-            <a:extLst>
-              <a:ext uri="{FF2B5EF4-FFF2-40B4-BE49-F238E27FC236}">
-                <a16:creationId xmlns:a16="http://schemas.microsoft.com/office/drawing/2014/main" id="{CCD4D7E1-2A6D-4E16-9508-16DF976D8A81}"/>
-              </a:ext>
-            </a:extLst>
-          </p:cNvPr>
-          <p:cNvSpPr txBox="1"/>
-          <p:nvPr/>
-        </p:nvSpPr>
-        <p:spPr>
-          <a:xfrm>
-            <a:off x="5562342" y="2607740"/>
-            <a:ext cx="1168653" cy="276999"/>
-          </a:xfrm>
-          <a:prstGeom prst="rect">
-            <a:avLst/>
-          </a:prstGeom>
-          <a:noFill/>
-        </p:spPr>
-        <p:txBody>
-          <a:bodyPr wrap="none" rtlCol="0">
-            <a:spAutoFit/>
-          </a:bodyPr>
-          <a:lstStyle/>
-          <a:p>
-            <a:r>
-              <a:rPr lang="en-US" sz="1200" dirty="0"/>
-              <a:t>Sync / new Task</a:t>
-            </a:r>
-          </a:p>
-        </p:txBody>
-      </p:sp>
       <p:cxnSp>
         <p:nvCxnSpPr>
           <p:cNvPr id="61" name="Connector: Elbow 60">
@@ -4660,7 +4627,8 @@
               </a:schemeClr>
             </a:solidFill>
             <a:prstDash val="dash"/>
-            <a:tailEnd type="triangle"/>
+            <a:headEnd type="triangle" w="med" len="med"/>
+            <a:tailEnd type="triangle" w="med" len="med"/>
           </a:ln>
         </p:spPr>
         <p:style>
@@ -4678,41 +4646,6 @@
           </a:fontRef>
         </p:style>
       </p:cxnSp>
-      <p:sp>
-        <p:nvSpPr>
-          <p:cNvPr id="66" name="TextBox 65">
-            <a:extLst>
-              <a:ext uri="{FF2B5EF4-FFF2-40B4-BE49-F238E27FC236}">
-                <a16:creationId xmlns:a16="http://schemas.microsoft.com/office/drawing/2014/main" id="{301553E7-7072-4AB6-992A-5FF5D922C672}"/>
-              </a:ext>
-            </a:extLst>
-          </p:cNvPr>
-          <p:cNvSpPr txBox="1"/>
-          <p:nvPr/>
-        </p:nvSpPr>
-        <p:spPr>
-          <a:xfrm>
-            <a:off x="6311880" y="1596182"/>
-            <a:ext cx="885948" cy="276999"/>
-          </a:xfrm>
-          <a:prstGeom prst="rect">
-            <a:avLst/>
-          </a:prstGeom>
-          <a:noFill/>
-        </p:spPr>
-        <p:txBody>
-          <a:bodyPr wrap="none" rtlCol="0">
-            <a:spAutoFit/>
-          </a:bodyPr>
-          <a:lstStyle/>
-          <a:p>
-            <a:r>
-              <a:rPr lang="en-US" sz="1200" dirty="0"/>
-              <a:t>Push notify</a:t>
-            </a:r>
-          </a:p>
-        </p:txBody>
-      </p:sp>
       <p:cxnSp>
         <p:nvCxnSpPr>
           <p:cNvPr id="75" name="Straight Arrow Connector 74">
@@ -4897,6 +4830,40 @@
               </a:rPr>
               <a:t>Media center can be controlled via Remote or Mobile.</a:t>
             </a:r>
+          </a:p>
+          <a:p>
+            <a:endParaRPr lang="en-US" sz="1200" dirty="0">
+              <a:solidFill>
+                <a:schemeClr val="tx1">
+                  <a:lumMod val="95000"/>
+                  <a:lumOff val="5000"/>
+                </a:schemeClr>
+              </a:solidFill>
+            </a:endParaRPr>
+          </a:p>
+          <a:p>
+            <a:r>
+              <a:rPr lang="en-US" sz="1200" dirty="0" err="1">
+                <a:solidFill>
+                  <a:schemeClr val="tx1">
+                    <a:lumMod val="95000"/>
+                    <a:lumOff val="5000"/>
+                  </a:schemeClr>
+                </a:solidFill>
+              </a:rPr>
+              <a:t>Raspi</a:t>
+            </a:r>
+            <a:r>
+              <a:rPr lang="en-US" sz="1200" dirty="0">
+                <a:solidFill>
+                  <a:schemeClr val="tx1">
+                    <a:lumMod val="95000"/>
+                    <a:lumOff val="5000"/>
+                  </a:schemeClr>
+                </a:solidFill>
+              </a:rPr>
+              <a:t> runs Discord Chatbot</a:t>
+            </a:r>
             <a:endParaRPr lang="LID4096" sz="1200" dirty="0">
               <a:solidFill>
                 <a:schemeClr val="tx1">
@@ -4919,18 +4886,20 @@
           </p:cNvPr>
           <p:cNvCxnSpPr>
             <a:cxnSpLocks/>
-            <a:stCxn id="18" idx="2"/>
-            <a:endCxn id="20" idx="1"/>
+            <a:stCxn id="18" idx="3"/>
+            <a:endCxn id="10" idx="1"/>
           </p:cNvCxnSpPr>
           <p:nvPr/>
         </p:nvCxnSpPr>
         <p:spPr>
-          <a:xfrm rot="16200000" flipH="1">
-            <a:off x="2029660" y="2407549"/>
-            <a:ext cx="1020561" cy="770413"/>
-          </a:xfrm>
-          <a:prstGeom prst="bentConnector2">
-            <a:avLst/>
+          <a:xfrm>
+            <a:off x="2557092" y="1879102"/>
+            <a:ext cx="368055" cy="1016"/>
+          </a:xfrm>
+          <a:prstGeom prst="bentConnector3">
+            <a:avLst>
+              <a:gd name="adj1" fmla="val 50000"/>
+            </a:avLst>
           </a:prstGeom>
           <a:ln>
             <a:solidFill>
@@ -5115,6 +5084,53 @@
             </a:solidFill>
             <a:prstDash val="sysDot"/>
             <a:headEnd type="none" w="med" len="med"/>
+            <a:tailEnd type="triangle" w="med" len="med"/>
+          </a:ln>
+        </p:spPr>
+        <p:style>
+          <a:lnRef idx="1">
+            <a:schemeClr val="accent1"/>
+          </a:lnRef>
+          <a:fillRef idx="0">
+            <a:schemeClr val="accent1"/>
+          </a:fillRef>
+          <a:effectRef idx="0">
+            <a:schemeClr val="accent1"/>
+          </a:effectRef>
+          <a:fontRef idx="minor">
+            <a:schemeClr val="tx1"/>
+          </a:fontRef>
+        </p:style>
+      </p:cxnSp>
+      <p:cxnSp>
+        <p:nvCxnSpPr>
+          <p:cNvPr id="40" name="Straight Arrow Connector 105">
+            <a:extLst>
+              <a:ext uri="{FF2B5EF4-FFF2-40B4-BE49-F238E27FC236}">
+                <a16:creationId xmlns:a16="http://schemas.microsoft.com/office/drawing/2014/main" id="{8A54BC0E-239A-4339-9F0D-C01C0111361E}"/>
+              </a:ext>
+            </a:extLst>
+          </p:cNvPr>
+          <p:cNvCxnSpPr>
+            <a:cxnSpLocks/>
+            <a:stCxn id="10" idx="2"/>
+          </p:cNvCxnSpPr>
+          <p:nvPr/>
+        </p:nvCxnSpPr>
+        <p:spPr>
+          <a:xfrm>
+            <a:off x="3382347" y="2337318"/>
+            <a:ext cx="0" cy="760543"/>
+          </a:xfrm>
+          <a:prstGeom prst="straightConnector1">
+            <a:avLst/>
+          </a:prstGeom>
+          <a:ln>
+            <a:solidFill>
+              <a:srgbClr val="7030A0"/>
+            </a:solidFill>
+            <a:prstDash val="sysDash"/>
+            <a:headEnd type="triangle" w="med" len="med"/>
             <a:tailEnd type="triangle" w="med" len="med"/>
           </a:ln>
         </p:spPr>
@@ -5137,6 +5153,36 @@
     <p:extLst>
       <p:ext uri="{BB962C8B-B14F-4D97-AF65-F5344CB8AC3E}">
         <p14:creationId xmlns:p14="http://schemas.microsoft.com/office/powerpoint/2010/main" val="2788353603"/>
+      </p:ext>
+    </p:extLst>
+  </p:cSld>
+  <p:clrMapOvr>
+    <a:masterClrMapping/>
+  </p:clrMapOvr>
+</p:sld>
+</file>
+
+<file path=ppt/slides/slide3.xml><?xml version="1.0" encoding="utf-8"?>
+<p:sld xmlns:a="http://schemas.openxmlformats.org/drawingml/2006/main" xmlns:r="http://schemas.openxmlformats.org/officeDocument/2006/relationships" xmlns:p="http://schemas.openxmlformats.org/presentationml/2006/main">
+  <p:cSld>
+    <p:spTree>
+      <p:nvGrpSpPr>
+        <p:cNvPr id="1" name=""/>
+        <p:cNvGrpSpPr/>
+        <p:nvPr/>
+      </p:nvGrpSpPr>
+      <p:grpSpPr>
+        <a:xfrm>
+          <a:off x="0" y="0"/>
+          <a:ext cx="0" cy="0"/>
+          <a:chOff x="0" y="0"/>
+          <a:chExt cx="0" cy="0"/>
+        </a:xfrm>
+      </p:grpSpPr>
+    </p:spTree>
+    <p:extLst>
+      <p:ext uri="{BB962C8B-B14F-4D97-AF65-F5344CB8AC3E}">
+        <p14:creationId xmlns:p14="http://schemas.microsoft.com/office/powerpoint/2010/main" val="337832277"/>
       </p:ext>
     </p:extLst>
   </p:cSld>
